--- a/测试2021/04 测试流程/00 测试分类总结.pptx
+++ b/测试2021/04 测试流程/00 测试分类总结.pptx
@@ -3149,14 +3149,63 @@
         </p:blipFill>
         <p:spPr>
           <a:xfrm>
-            <a:off x="1634490" y="124460"/>
-            <a:ext cx="9248775" cy="6608445"/>
+            <a:off x="1590040" y="69850"/>
+            <a:ext cx="6951345" cy="4966970"/>
           </a:xfrm>
           <a:prstGeom prst="rect">
             <a:avLst/>
           </a:prstGeom>
         </p:spPr>
       </p:pic>
+      <p:sp>
+        <p:nvSpPr>
+          <p:cNvPr id="2" name="文本框 1"/>
+          <p:cNvSpPr txBox="1"/>
+          <p:nvPr/>
+        </p:nvSpPr>
+        <p:spPr>
+          <a:xfrm>
+            <a:off x="814070" y="5481320"/>
+            <a:ext cx="10214610" cy="1198880"/>
+          </a:xfrm>
+          <a:prstGeom prst="rect">
+            <a:avLst/>
+          </a:prstGeom>
+          <a:noFill/>
+        </p:spPr>
+        <p:txBody>
+          <a:bodyPr wrap="square" rtlCol="0">
+            <a:spAutoFit/>
+          </a:bodyPr>
+          <a:p>
+            <a:r>
+              <a:rPr lang="zh-CN" altLang="en-US"/>
+              <a:t>传统交付给客户使用的验收测试不是以发现缺陷为主要目标的，主要目的是检验系统是不是有需求说明书中有的功能，且是否功能都能正常运行；现在有一些软件是直接面向用户的，比如游戏，在验收测试阶段比如</a:t>
+            </a:r>
+            <a:r>
+              <a:rPr lang="en-US" altLang="zh-CN"/>
+              <a:t>a</a:t>
+            </a:r>
+            <a:r>
+              <a:rPr lang="zh-CN" altLang="en-US"/>
+              <a:t>测试（内测），</a:t>
+            </a:r>
+            <a:r>
+              <a:rPr lang="en-US" altLang="zh-CN"/>
+              <a:t>B</a:t>
+            </a:r>
+            <a:r>
+              <a:rPr lang="zh-CN" altLang="en-US"/>
+              <a:t>测试（公测），这个是为了发现缺陷的，比如某某游戏开发给用户测试的时候，用户是不可能有需求说明书</a:t>
+            </a:r>
+            <a:r>
+              <a:rPr lang="zh-CN" altLang="en-US"/>
+              <a:t>的</a:t>
+            </a:r>
+            <a:endParaRPr lang="zh-CN" altLang="en-US"/>
+          </a:p>
+        </p:txBody>
+      </p:sp>
     </p:spTree>
   </p:cSld>
   <p:clrMapOvr>
